--- a/DrawerPresentation.pptx
+++ b/DrawerPresentation.pptx
@@ -110,6 +110,11 @@
       </a:defRPr>
     </a:lvl9pPr>
   </p:defaultTextStyle>
+  <p:extLst>
+    <p:ext uri="{EFAFB233-063F-42B5-8137-9DF3F51BA10A}">
+      <p15:sldGuideLst xmlns:p15="http://schemas.microsoft.com/office/powerpoint/2012/main"/>
+    </p:ext>
+  </p:extLst>
 </p:presentation>
 </file>
 
@@ -3930,7 +3935,12 @@
             <p:ph type="title"/>
           </p:nvPr>
         </p:nvSpPr>
-        <p:spPr/>
+        <p:spPr>
+          <a:xfrm>
+            <a:off x="975360" y="245782"/>
+            <a:ext cx="10058400" cy="1450757"/>
+          </a:xfrm>
+        </p:spPr>
         <p:txBody>
           <a:bodyPr/>
           <a:lstStyle/>
@@ -3967,7 +3977,7 @@
               <a:buNone/>
             </a:pPr>
             <a:r>
-              <a:rPr lang="en-US" b="1" dirty="0" smtClean="0"/>
+              <a:rPr lang="en-US" i="1" dirty="0" smtClean="0"/>
               <a:t>Drawer</a:t>
             </a:r>
             <a:r>
@@ -4095,7 +4105,7 @@
               <a:buNone/>
             </a:pPr>
             <a:r>
-              <a:rPr lang="ru-RU" sz="2400" b="1" dirty="0" smtClean="0"/>
+              <a:rPr lang="ru-RU" sz="2400" i="1" dirty="0" smtClean="0"/>
               <a:t>Реализованы</a:t>
             </a:r>
             <a:r>
@@ -4105,10 +4115,9 @@
           </a:p>
           <a:p>
             <a:r>
-              <a:rPr lang="ru-RU" b="1" dirty="0"/>
+              <a:rPr lang="ru-RU" dirty="0"/>
               <a:t>3 Вида пера</a:t>
             </a:r>
-            <a:endParaRPr lang="ru-RU" dirty="0"/>
           </a:p>
           <a:p>
             <a:pPr lvl="1"/>
@@ -4133,10 +4142,9 @@
           </a:p>
           <a:p>
             <a:r>
-              <a:rPr lang="ru-RU" b="1" dirty="0"/>
+              <a:rPr lang="ru-RU" dirty="0"/>
               <a:t>Выбор размера пера</a:t>
             </a:r>
-            <a:endParaRPr lang="ru-RU" dirty="0"/>
           </a:p>
           <a:p>
             <a:pPr lvl="1"/>
@@ -4246,11 +4254,11 @@
           <a:lstStyle/>
           <a:p>
             <a:r>
-              <a:rPr lang="ru-RU" b="1" dirty="0"/>
+              <a:rPr lang="ru-RU" dirty="0"/>
               <a:t>Выбор цвета </a:t>
             </a:r>
             <a:r>
-              <a:rPr lang="ru-RU" b="1" dirty="0" smtClean="0"/>
+              <a:rPr lang="ru-RU" dirty="0" smtClean="0"/>
               <a:t>пера в меню окна</a:t>
             </a:r>
             <a:endParaRPr lang="ru-RU" dirty="0"/>
@@ -4307,10 +4315,9 @@
           </a:p>
           <a:p>
             <a:r>
-              <a:rPr lang="ru-RU" b="1" dirty="0"/>
+              <a:rPr lang="ru-RU" dirty="0"/>
               <a:t>Функции</a:t>
             </a:r>
-            <a:endParaRPr lang="ru-RU" dirty="0"/>
           </a:p>
           <a:p>
             <a:pPr lvl="1"/>
@@ -4430,10 +4437,14 @@
           <a:p>
             <a:pPr lvl="1"/>
             <a:r>
-              <a:rPr lang="en-US" sz="2000" b="1" dirty="0" smtClean="0"/>
-              <a:t>Class Project</a:t>
-            </a:r>
-            <a:endParaRPr lang="en-US" sz="2000" b="1" dirty="0"/>
+              <a:rPr lang="en-US" sz="2000" i="1" dirty="0" smtClean="0"/>
+              <a:t>Class </a:t>
+            </a:r>
+            <a:r>
+              <a:rPr lang="en-US" sz="2000" i="1" dirty="0" smtClean="0"/>
+              <a:t>Drawer</a:t>
+            </a:r>
+            <a:endParaRPr lang="en-US" sz="2000" i="1" dirty="0"/>
           </a:p>
           <a:p>
             <a:pPr lvl="2"/>
